--- a/Documentation/Presentation.pptx
+++ b/Documentation/Presentation.pptx
@@ -202,7 +202,7 @@
           <a:p>
             <a:fld id="{55101FA6-4A37-46D4-AA86-FCA7CE940B5B}" type="datetimeFigureOut">
               <a:rPr lang="en-GB" smtClean="0"/>
-              <a:t>04/05/2025</a:t>
+              <a:t>05/05/2025</a:t>
             </a:fld>
             <a:endParaRPr lang="en-GB"/>
           </a:p>
@@ -703,7 +703,7 @@
           <a:p>
             <a:fld id="{0B09ED19-DEE8-4098-92CC-29532B0AE0E4}" type="datetimeFigureOut">
               <a:rPr lang="en-GB" smtClean="0"/>
-              <a:t>04/05/2025</a:t>
+              <a:t>05/05/2025</a:t>
             </a:fld>
             <a:endParaRPr lang="en-GB"/>
           </a:p>
@@ -903,7 +903,7 @@
           <a:p>
             <a:fld id="{0B09ED19-DEE8-4098-92CC-29532B0AE0E4}" type="datetimeFigureOut">
               <a:rPr lang="en-GB" smtClean="0"/>
-              <a:t>04/05/2025</a:t>
+              <a:t>05/05/2025</a:t>
             </a:fld>
             <a:endParaRPr lang="en-GB"/>
           </a:p>
@@ -1113,7 +1113,7 @@
           <a:p>
             <a:fld id="{0B09ED19-DEE8-4098-92CC-29532B0AE0E4}" type="datetimeFigureOut">
               <a:rPr lang="en-GB" smtClean="0"/>
-              <a:t>04/05/2025</a:t>
+              <a:t>05/05/2025</a:t>
             </a:fld>
             <a:endParaRPr lang="en-GB"/>
           </a:p>
@@ -1313,7 +1313,7 @@
           <a:p>
             <a:fld id="{0B09ED19-DEE8-4098-92CC-29532B0AE0E4}" type="datetimeFigureOut">
               <a:rPr lang="en-GB" smtClean="0"/>
-              <a:t>04/05/2025</a:t>
+              <a:t>05/05/2025</a:t>
             </a:fld>
             <a:endParaRPr lang="en-GB"/>
           </a:p>
@@ -1589,7 +1589,7 @@
           <a:p>
             <a:fld id="{0B09ED19-DEE8-4098-92CC-29532B0AE0E4}" type="datetimeFigureOut">
               <a:rPr lang="en-GB" smtClean="0"/>
-              <a:t>04/05/2025</a:t>
+              <a:t>05/05/2025</a:t>
             </a:fld>
             <a:endParaRPr lang="en-GB"/>
           </a:p>
@@ -1857,7 +1857,7 @@
           <a:p>
             <a:fld id="{0B09ED19-DEE8-4098-92CC-29532B0AE0E4}" type="datetimeFigureOut">
               <a:rPr lang="en-GB" smtClean="0"/>
-              <a:t>04/05/2025</a:t>
+              <a:t>05/05/2025</a:t>
             </a:fld>
             <a:endParaRPr lang="en-GB"/>
           </a:p>
@@ -2272,7 +2272,7 @@
           <a:p>
             <a:fld id="{0B09ED19-DEE8-4098-92CC-29532B0AE0E4}" type="datetimeFigureOut">
               <a:rPr lang="en-GB" smtClean="0"/>
-              <a:t>04/05/2025</a:t>
+              <a:t>05/05/2025</a:t>
             </a:fld>
             <a:endParaRPr lang="en-GB"/>
           </a:p>
@@ -2414,7 +2414,7 @@
           <a:p>
             <a:fld id="{0B09ED19-DEE8-4098-92CC-29532B0AE0E4}" type="datetimeFigureOut">
               <a:rPr lang="en-GB" smtClean="0"/>
-              <a:t>04/05/2025</a:t>
+              <a:t>05/05/2025</a:t>
             </a:fld>
             <a:endParaRPr lang="en-GB"/>
           </a:p>
@@ -2527,7 +2527,7 @@
           <a:p>
             <a:fld id="{0B09ED19-DEE8-4098-92CC-29532B0AE0E4}" type="datetimeFigureOut">
               <a:rPr lang="en-GB" smtClean="0"/>
-              <a:t>04/05/2025</a:t>
+              <a:t>05/05/2025</a:t>
             </a:fld>
             <a:endParaRPr lang="en-GB"/>
           </a:p>
@@ -2840,7 +2840,7 @@
           <a:p>
             <a:fld id="{0B09ED19-DEE8-4098-92CC-29532B0AE0E4}" type="datetimeFigureOut">
               <a:rPr lang="en-GB" smtClean="0"/>
-              <a:t>04/05/2025</a:t>
+              <a:t>05/05/2025</a:t>
             </a:fld>
             <a:endParaRPr lang="en-GB"/>
           </a:p>
@@ -3129,7 +3129,7 @@
           <a:p>
             <a:fld id="{0B09ED19-DEE8-4098-92CC-29532B0AE0E4}" type="datetimeFigureOut">
               <a:rPr lang="en-GB" smtClean="0"/>
-              <a:t>04/05/2025</a:t>
+              <a:t>05/05/2025</a:t>
             </a:fld>
             <a:endParaRPr lang="en-GB"/>
           </a:p>
@@ -3372,7 +3372,7 @@
           <a:p>
             <a:fld id="{0B09ED19-DEE8-4098-92CC-29532B0AE0E4}" type="datetimeFigureOut">
               <a:rPr lang="en-GB" smtClean="0"/>
-              <a:t>04/05/2025</a:t>
+              <a:t>05/05/2025</a:t>
             </a:fld>
             <a:endParaRPr lang="en-GB"/>
           </a:p>
@@ -3858,7 +3858,7 @@
           <a:lstStyle/>
           <a:p>
             <a:r>
-              <a:rPr lang="en-US" sz="5400" b="1" noProof="0" dirty="0">
+              <a:rPr lang="en-GB" sz="5400" b="1" noProof="0" dirty="0">
                 <a:ln>
                   <a:solidFill>
                     <a:schemeClr val="tx1"/>
@@ -3896,7 +3896,7 @@
           <a:lstStyle/>
           <a:p>
             <a:r>
-              <a:rPr lang="en-US" noProof="0" dirty="0">
+              <a:rPr lang="en-GB" noProof="0" dirty="0">
                 <a:solidFill>
                   <a:schemeClr val="bg1"/>
                 </a:solidFill>
@@ -3935,22 +3935,22 @@
           <a:lstStyle/>
           <a:p>
             <a:r>
-              <a:rPr lang="en-US" sz="900" noProof="0" dirty="0">
+              <a:rPr lang="en-GB" sz="900" noProof="0" dirty="0">
                 <a:hlinkClick r:id="rId3" tooltip="https://www.vivereinmodonaturale.com/2020/03/la-citta-di-wuhan-centro-della-pandemia-da-coronavirus-ha-circa-10.000-stazioni-base-5g.html"/>
               </a:rPr>
               <a:t>This Photo</a:t>
             </a:r>
             <a:r>
-              <a:rPr lang="en-US" sz="900" noProof="0" dirty="0"/>
+              <a:rPr lang="en-GB" sz="900" noProof="0" dirty="0"/>
               <a:t> by Unknown Author is licensed under </a:t>
             </a:r>
             <a:r>
-              <a:rPr lang="en-US" sz="900" noProof="0" dirty="0">
+              <a:rPr lang="en-GB" sz="900" noProof="0" dirty="0">
                 <a:hlinkClick r:id="rId4" tooltip="https://creativecommons.org/licenses/by-nd/3.0/"/>
               </a:rPr>
               <a:t>CC BY-ND</a:t>
             </a:r>
-            <a:endParaRPr lang="en-US" sz="900" noProof="0" dirty="0"/>
+            <a:endParaRPr lang="en-GB" sz="900" noProof="0" dirty="0"/>
           </a:p>
         </p:txBody>
       </p:sp>
@@ -3983,12 +3983,8 @@
           <a:lstStyle/>
           <a:p>
             <a:r>
-              <a:rPr lang="en-US" dirty="0"/>
-              <a:t>6</a:t>
-            </a:r>
-            <a:r>
-              <a:rPr lang="en-US" noProof="0" dirty="0"/>
-              <a:t>. 5. 2025</a:t>
+              <a:rPr lang="en-GB" noProof="0" dirty="0"/>
+              <a:t>6. 5. 2025</a:t>
             </a:r>
           </a:p>
         </p:txBody>
@@ -4112,7 +4108,7 @@
           <a:lstStyle/>
           <a:p>
             <a:pPr algn="ctr"/>
-            <a:endParaRPr lang="en-GB"/>
+            <a:endParaRPr lang="en-GB" noProof="0" dirty="0"/>
           </a:p>
         </p:txBody>
       </p:sp>
@@ -4138,7 +4134,7 @@
           <a:lstStyle/>
           <a:p>
             <a:r>
-              <a:rPr lang="en-US" noProof="0" dirty="0"/>
+              <a:rPr lang="en-GB" noProof="0" dirty="0"/>
               <a:t>Task description</a:t>
             </a:r>
           </a:p>
@@ -4166,45 +4162,29 @@
           <a:lstStyle/>
           <a:p>
             <a:r>
-              <a:rPr lang="en-US" noProof="0" dirty="0"/>
+              <a:rPr lang="en-GB" noProof="0" dirty="0"/>
               <a:t>Classify radio signal sources to detect potential attacker base stations operating within a building.</a:t>
             </a:r>
           </a:p>
           <a:p>
             <a:pPr lvl="1"/>
             <a:r>
-              <a:rPr lang="en-US" noProof="0" dirty="0"/>
+              <a:rPr lang="en-GB" noProof="0" dirty="0"/>
               <a:t>Class 0 – legitimate T-Mobile base station</a:t>
             </a:r>
           </a:p>
           <a:p>
             <a:pPr lvl="1"/>
             <a:r>
-              <a:rPr lang="en-US" noProof="0" dirty="0"/>
-              <a:t>Class 1 – </a:t>
-            </a:r>
-            <a:r>
-              <a:rPr lang="en-US" noProof="0" dirty="0" err="1"/>
-              <a:t>unauthorised</a:t>
-            </a:r>
-            <a:r>
-              <a:rPr lang="en-US" noProof="0" dirty="0"/>
-              <a:t> base station at location 1</a:t>
+              <a:rPr lang="en-GB" noProof="0" dirty="0"/>
+              <a:t>Class 1 – unauthorised base station at location 1</a:t>
             </a:r>
           </a:p>
           <a:p>
             <a:pPr lvl="1"/>
             <a:r>
-              <a:rPr lang="en-US" noProof="0" dirty="0"/>
-              <a:t>Class 2 – </a:t>
-            </a:r>
-            <a:r>
-              <a:rPr lang="en-US" noProof="0" dirty="0" err="1"/>
-              <a:t>unauthorised</a:t>
-            </a:r>
-            <a:r>
-              <a:rPr lang="en-US" noProof="0" dirty="0"/>
-              <a:t> base station at location 2</a:t>
+              <a:rPr lang="en-GB" noProof="0" dirty="0"/>
+              <a:t>Class 2 – unauthorised base station at location 2</a:t>
             </a:r>
           </a:p>
         </p:txBody>
@@ -4327,7 +4307,7 @@
           <a:lstStyle/>
           <a:p>
             <a:pPr algn="ctr"/>
-            <a:endParaRPr lang="en-GB"/>
+            <a:endParaRPr lang="en-GB" noProof="0" dirty="0"/>
           </a:p>
         </p:txBody>
       </p:sp>
@@ -4353,7 +4333,7 @@
           <a:lstStyle/>
           <a:p>
             <a:r>
-              <a:rPr lang="en-US" noProof="0" dirty="0"/>
+              <a:rPr lang="en-GB" noProof="0" dirty="0"/>
               <a:t>Solution</a:t>
             </a:r>
           </a:p>
@@ -4381,54 +4361,54 @@
           <a:lstStyle/>
           <a:p>
             <a:r>
-              <a:rPr lang="en-US" noProof="0" dirty="0"/>
+              <a:rPr lang="en-GB" noProof="0" dirty="0"/>
               <a:t>Loading and preprocessing data</a:t>
             </a:r>
           </a:p>
           <a:p>
             <a:pPr lvl="1"/>
             <a:r>
-              <a:rPr lang="en-US" noProof="0" dirty="0"/>
+              <a:rPr lang="en-GB" noProof="0" dirty="0"/>
               <a:t>Loaded data matching the order of labels</a:t>
             </a:r>
           </a:p>
           <a:p>
             <a:pPr lvl="1"/>
             <a:r>
-              <a:rPr lang="en-US" noProof="0" dirty="0"/>
+              <a:rPr lang="en-GB" noProof="0" dirty="0"/>
               <a:t>Z-score normalization</a:t>
             </a:r>
           </a:p>
           <a:p>
             <a:r>
-              <a:rPr lang="en-US" noProof="0" dirty="0"/>
+              <a:rPr lang="en-GB" noProof="0" dirty="0"/>
               <a:t>Augmentation of class 1 and 2 data</a:t>
             </a:r>
           </a:p>
           <a:p>
             <a:pPr lvl="1"/>
             <a:r>
-              <a:rPr lang="en-US" noProof="0" dirty="0"/>
+              <a:rPr lang="en-GB" noProof="0" dirty="0"/>
               <a:t>Larger dataset</a:t>
             </a:r>
           </a:p>
           <a:p>
             <a:pPr lvl="1"/>
             <a:r>
-              <a:rPr lang="en-US" noProof="0" dirty="0"/>
+              <a:rPr lang="en-GB" noProof="0" dirty="0"/>
               <a:t>Equal sample distribution</a:t>
             </a:r>
           </a:p>
           <a:p>
             <a:pPr lvl="1"/>
             <a:r>
-              <a:rPr lang="en-US" noProof="0" dirty="0"/>
+              <a:rPr lang="en-GB" noProof="0" dirty="0"/>
               <a:t>Augmenting input data with Gaussian noise</a:t>
             </a:r>
           </a:p>
           <a:p>
             <a:pPr lvl="2"/>
-            <a:endParaRPr lang="en-US" noProof="0" dirty="0"/>
+            <a:endParaRPr lang="en-GB" noProof="0" dirty="0"/>
           </a:p>
         </p:txBody>
       </p:sp>
@@ -4585,7 +4565,7 @@
           <a:lstStyle/>
           <a:p>
             <a:pPr algn="ctr"/>
-            <a:endParaRPr lang="en-GB"/>
+            <a:endParaRPr lang="en-GB" noProof="0" dirty="0"/>
           </a:p>
         </p:txBody>
       </p:sp>
@@ -4611,7 +4591,7 @@
           <a:lstStyle/>
           <a:p>
             <a:r>
-              <a:rPr lang="en-US" noProof="0" dirty="0"/>
+              <a:rPr lang="en-GB" noProof="0" dirty="0"/>
               <a:t>Solution</a:t>
             </a:r>
           </a:p>
@@ -4639,81 +4619,81 @@
           <a:lstStyle/>
           <a:p>
             <a:r>
-              <a:rPr lang="en-US" noProof="0" dirty="0"/>
+              <a:rPr lang="en-GB" noProof="0" dirty="0"/>
               <a:t>CNN model architecture</a:t>
             </a:r>
           </a:p>
           <a:p>
             <a:pPr lvl="1"/>
             <a:r>
-              <a:rPr lang="en-US" noProof="0" dirty="0"/>
+              <a:rPr lang="en-GB" noProof="0" dirty="0"/>
               <a:t>Input layer</a:t>
             </a:r>
           </a:p>
           <a:p>
             <a:pPr lvl="1"/>
             <a:r>
-              <a:rPr lang="en-US" noProof="0" dirty="0"/>
+              <a:rPr lang="en-GB" noProof="0" dirty="0"/>
               <a:t>Up to three 2D Convolutional NN followed by MaxPooling2D</a:t>
             </a:r>
           </a:p>
           <a:p>
             <a:pPr lvl="1"/>
             <a:r>
-              <a:rPr lang="en-US" noProof="0" dirty="0"/>
+              <a:rPr lang="en-GB" noProof="0" dirty="0"/>
               <a:t>Flatten</a:t>
             </a:r>
           </a:p>
           <a:p>
             <a:pPr lvl="1"/>
             <a:r>
-              <a:rPr lang="en-US" noProof="0" dirty="0"/>
+              <a:rPr lang="en-GB" noProof="0" dirty="0"/>
               <a:t>1st and 2nd Dense layer</a:t>
             </a:r>
           </a:p>
           <a:p>
             <a:pPr lvl="1"/>
             <a:r>
-              <a:rPr lang="en-US" noProof="0" dirty="0"/>
+              <a:rPr lang="en-GB" noProof="0" dirty="0"/>
               <a:t>Dropout</a:t>
             </a:r>
           </a:p>
           <a:p>
             <a:pPr lvl="1"/>
             <a:r>
-              <a:rPr lang="en-US" noProof="0" dirty="0"/>
+              <a:rPr lang="en-GB" noProof="0" dirty="0"/>
               <a:t>Output layer</a:t>
             </a:r>
           </a:p>
           <a:p>
             <a:pPr lvl="1"/>
-            <a:endParaRPr lang="en-US" noProof="0" dirty="0"/>
+            <a:endParaRPr lang="en-GB" noProof="0" dirty="0"/>
           </a:p>
           <a:p>
             <a:pPr lvl="1"/>
             <a:r>
-              <a:rPr lang="en-US" noProof="0" dirty="0" err="1"/>
+              <a:rPr lang="en-GB" noProof="0" dirty="0" err="1"/>
               <a:t>Keras</a:t>
             </a:r>
             <a:r>
-              <a:rPr lang="en-US" noProof="0" dirty="0"/>
+              <a:rPr lang="en-GB" noProof="0" dirty="0"/>
               <a:t> Tuner parameters:</a:t>
             </a:r>
           </a:p>
           <a:p>
             <a:pPr lvl="2"/>
             <a:r>
-              <a:rPr lang="en-US" noProof="0" dirty="0"/>
+              <a:rPr lang="en-GB" noProof="0" dirty="0"/>
               <a:t>Filters, kernel size, number of hidden layers, number of neurons in hidden layers, learning rate</a:t>
             </a:r>
           </a:p>
           <a:p>
             <a:pPr lvl="1"/>
-            <a:endParaRPr lang="en-US" noProof="0" dirty="0"/>
+            <a:endParaRPr lang="en-GB" noProof="0" dirty="0"/>
           </a:p>
           <a:p>
             <a:pPr lvl="1"/>
-            <a:endParaRPr lang="en-US" noProof="0" dirty="0"/>
+            <a:endParaRPr lang="en-GB" noProof="0" dirty="0"/>
           </a:p>
         </p:txBody>
       </p:sp>
@@ -4835,7 +4815,7 @@
           <a:lstStyle/>
           <a:p>
             <a:pPr algn="ctr"/>
-            <a:endParaRPr lang="en-GB"/>
+            <a:endParaRPr lang="en-GB" noProof="0" dirty="0"/>
           </a:p>
         </p:txBody>
       </p:sp>
@@ -4861,10 +4841,9 @@
           <a:lstStyle/>
           <a:p>
             <a:r>
-              <a:rPr lang="cs-CZ" noProof="0" dirty="0" err="1"/>
+              <a:rPr lang="en-GB" noProof="0" dirty="0"/>
               <a:t>Results</a:t>
             </a:r>
-            <a:endParaRPr lang="en-US" noProof="0" dirty="0"/>
           </a:p>
         </p:txBody>
       </p:sp>
@@ -4895,42 +4874,42 @@
           <a:lstStyle/>
           <a:p>
             <a:r>
-              <a:rPr lang="en-US" noProof="0" dirty="0"/>
+              <a:rPr lang="en-GB" noProof="0" dirty="0"/>
               <a:t>Model validation</a:t>
             </a:r>
           </a:p>
           <a:p>
             <a:pPr lvl="1"/>
             <a:r>
-              <a:rPr lang="en-US" noProof="0" dirty="0"/>
+              <a:rPr lang="en-GB" noProof="0" dirty="0"/>
               <a:t>The best 5 </a:t>
             </a:r>
             <a:r>
-              <a:rPr lang="en-US" noProof="0" dirty="0" err="1"/>
+              <a:rPr lang="en-GB" noProof="0" dirty="0" err="1"/>
               <a:t>Keras</a:t>
             </a:r>
             <a:r>
-              <a:rPr lang="en-US" noProof="0" dirty="0"/>
+              <a:rPr lang="en-GB" noProof="0" dirty="0"/>
               <a:t> Tuner models were picked (based on validation accuracy), and the one with the least trainable parameters was chosen</a:t>
             </a:r>
           </a:p>
           <a:p>
             <a:pPr lvl="2"/>
             <a:r>
-              <a:rPr lang="en-US" noProof="0" dirty="0"/>
+              <a:rPr lang="en-GB" noProof="0" dirty="0"/>
               <a:t>Memory optimization</a:t>
             </a:r>
           </a:p>
           <a:p>
             <a:pPr lvl="2"/>
             <a:r>
-              <a:rPr lang="en-US" noProof="0" dirty="0"/>
-              <a:t>Preventing overlearning</a:t>
+              <a:rPr lang="en-GB" noProof="0"/>
+              <a:t>Prevents overfitting</a:t>
             </a:r>
           </a:p>
           <a:p>
             <a:pPr lvl="1"/>
-            <a:endParaRPr lang="en-US" noProof="0" dirty="0"/>
+            <a:endParaRPr lang="en-GB" noProof="0" dirty="0"/>
           </a:p>
         </p:txBody>
       </p:sp>
@@ -5160,7 +5139,7 @@
           <a:lstStyle/>
           <a:p>
             <a:pPr algn="ctr"/>
-            <a:endParaRPr lang="en-GB"/>
+            <a:endParaRPr lang="en-GB" noProof="0" dirty="0"/>
           </a:p>
         </p:txBody>
       </p:sp>
@@ -5186,10 +5165,9 @@
           <a:lstStyle/>
           <a:p>
             <a:r>
-              <a:rPr lang="cs-CZ" dirty="0" err="1"/>
+              <a:rPr lang="en-GB" noProof="0" dirty="0"/>
               <a:t>Results</a:t>
             </a:r>
-            <a:endParaRPr lang="en-GB" dirty="0"/>
           </a:p>
         </p:txBody>
       </p:sp>
@@ -5215,30 +5193,18 @@
           <a:lstStyle/>
           <a:p>
             <a:r>
-              <a:rPr lang="en-US" noProof="0" dirty="0"/>
-              <a:t>Final model accuracy of 99.116</a:t>
-            </a:r>
-            <a:r>
-              <a:rPr lang="cs-CZ" noProof="0"/>
-              <a:t> </a:t>
-            </a:r>
-            <a:r>
-              <a:rPr lang="en-US" noProof="0"/>
-              <a:t>% </a:t>
-            </a:r>
-            <a:r>
-              <a:rPr lang="en-US" noProof="0" dirty="0"/>
-              <a:t>(119 out of 120 test samples)</a:t>
-            </a:r>
-          </a:p>
-          <a:p>
-            <a:r>
-              <a:rPr lang="en-US" noProof="0" dirty="0"/>
+              <a:rPr lang="en-GB" noProof="0" dirty="0"/>
+              <a:t>Final model accuracy of 99.116 % (119 out of 120 test samples)</a:t>
+            </a:r>
+          </a:p>
+          <a:p>
+            <a:r>
+              <a:rPr lang="en-GB" noProof="0" dirty="0"/>
               <a:t>By choosing between several best models, it is guaranteed that the picked model is the simplest one (memory efficient)</a:t>
             </a:r>
           </a:p>
           <a:p>
-            <a:endParaRPr lang="en-US" noProof="0" dirty="0"/>
+            <a:endParaRPr lang="en-GB" noProof="0" dirty="0"/>
           </a:p>
         </p:txBody>
       </p:sp>
